--- a/presentations/Presentation 10 - Resultados Análisis Predictivo.pptx
+++ b/presentations/Presentation 10 - Resultados Análisis Predictivo.pptx
@@ -241,7 +241,7 @@
           <a:p>
             <a:fld id="{0C14B7D8-95A2-46AE-8D9E-7067CF1FF132}" type="datetimeFigureOut">
               <a:rPr lang="es-419" smtClean="0"/>
-              <a:t>18/9/2020</a:t>
+              <a:t>29/9/2020</a:t>
             </a:fld>
             <a:endParaRPr lang="es-419"/>
           </a:p>
@@ -658,7 +658,7 @@
           <a:p>
             <a:fld id="{183ECD46-E509-4A9C-8749-20496545864B}" type="datetime1">
               <a:rPr lang="es-419" smtClean="0"/>
-              <a:t>18/9/2020</a:t>
+              <a:t>29/9/2020</a:t>
             </a:fld>
             <a:endParaRPr lang="es-419"/>
           </a:p>
@@ -858,7 +858,7 @@
           <a:p>
             <a:fld id="{A918D3D2-A392-470C-8D07-E165B3B714B9}" type="datetime1">
               <a:rPr lang="es-419" smtClean="0"/>
-              <a:t>18/9/2020</a:t>
+              <a:t>29/9/2020</a:t>
             </a:fld>
             <a:endParaRPr lang="es-419"/>
           </a:p>
@@ -1068,7 +1068,7 @@
           <a:p>
             <a:fld id="{A0B51020-2940-4E48-99D9-7A9FB6169AE8}" type="datetime1">
               <a:rPr lang="es-419" smtClean="0"/>
-              <a:t>18/9/2020</a:t>
+              <a:t>29/9/2020</a:t>
             </a:fld>
             <a:endParaRPr lang="es-419"/>
           </a:p>
@@ -1268,7 +1268,7 @@
           <a:p>
             <a:fld id="{5BB286BA-54C4-4D4A-92E9-F2326B4CA723}" type="datetime1">
               <a:rPr lang="es-419" smtClean="0"/>
-              <a:t>18/9/2020</a:t>
+              <a:t>29/9/2020</a:t>
             </a:fld>
             <a:endParaRPr lang="es-419"/>
           </a:p>
@@ -1544,7 +1544,7 @@
           <a:p>
             <a:fld id="{0E999169-D5D4-4C7F-A282-27C9D1D573E4}" type="datetime1">
               <a:rPr lang="es-419" smtClean="0"/>
-              <a:t>18/9/2020</a:t>
+              <a:t>29/9/2020</a:t>
             </a:fld>
             <a:endParaRPr lang="es-419"/>
           </a:p>
@@ -1812,7 +1812,7 @@
           <a:p>
             <a:fld id="{2F1FF1C2-91D8-4BE9-9B51-97E2BAA4885C}" type="datetime1">
               <a:rPr lang="es-419" smtClean="0"/>
-              <a:t>18/9/2020</a:t>
+              <a:t>29/9/2020</a:t>
             </a:fld>
             <a:endParaRPr lang="es-419"/>
           </a:p>
@@ -2227,7 +2227,7 @@
           <a:p>
             <a:fld id="{5786CC64-991A-4B69-8ED1-8CF4D9388DC4}" type="datetime1">
               <a:rPr lang="es-419" smtClean="0"/>
-              <a:t>18/9/2020</a:t>
+              <a:t>29/9/2020</a:t>
             </a:fld>
             <a:endParaRPr lang="es-419"/>
           </a:p>
@@ -2369,7 +2369,7 @@
           <a:p>
             <a:fld id="{8EB2F1D7-2247-429C-935C-0CD8BFF3D7A1}" type="datetime1">
               <a:rPr lang="es-419" smtClean="0"/>
-              <a:t>18/9/2020</a:t>
+              <a:t>29/9/2020</a:t>
             </a:fld>
             <a:endParaRPr lang="es-419"/>
           </a:p>
@@ -2482,7 +2482,7 @@
           <a:p>
             <a:fld id="{6C255DD6-A954-4FC0-8790-03EAA2DD04A1}" type="datetime1">
               <a:rPr lang="es-419" smtClean="0"/>
-              <a:t>18/9/2020</a:t>
+              <a:t>29/9/2020</a:t>
             </a:fld>
             <a:endParaRPr lang="es-419"/>
           </a:p>
@@ -2795,7 +2795,7 @@
           <a:p>
             <a:fld id="{ADE05553-2FC6-49D5-B393-DFA9AFC9AF61}" type="datetime1">
               <a:rPr lang="es-419" smtClean="0"/>
-              <a:t>18/9/2020</a:t>
+              <a:t>29/9/2020</a:t>
             </a:fld>
             <a:endParaRPr lang="es-419"/>
           </a:p>
@@ -3084,7 +3084,7 @@
           <a:p>
             <a:fld id="{59D39599-1EA0-4129-B272-5A81557995E2}" type="datetime1">
               <a:rPr lang="es-419" smtClean="0"/>
-              <a:t>18/9/2020</a:t>
+              <a:t>29/9/2020</a:t>
             </a:fld>
             <a:endParaRPr lang="es-419"/>
           </a:p>
@@ -3327,7 +3327,7 @@
           <a:p>
             <a:fld id="{665D4592-E502-425E-9C15-0CDF1F52A245}" type="datetime1">
               <a:rPr lang="es-419" smtClean="0"/>
-              <a:t>18/9/2020</a:t>
+              <a:t>29/9/2020</a:t>
             </a:fld>
             <a:endParaRPr lang="es-419"/>
           </a:p>
@@ -5774,7 +5774,7 @@
         </p:nvSpPr>
         <p:spPr>
           <a:xfrm>
-            <a:off x="9021333" y="2571828"/>
+            <a:off x="9079842" y="2563297"/>
             <a:ext cx="873957" cy="369332"/>
           </a:xfrm>
           <a:prstGeom prst="rect">
